--- a/Final Project/crime_in_chicago.pptx
+++ b/Final Project/crime_in_chicago.pptx
@@ -112,7 +112,16 @@
       </a:defRPr>
     </a:lvl9pPr>
   </p:defaultTextStyle>
+  <p:extLst>
+    <p:ext uri="{EFAFB233-063F-42B5-8137-9DF3F51BA10A}">
+      <p15:sldGuideLst xmlns:p15="http://schemas.microsoft.com/office/powerpoint/2012/main"/>
+    </p:ext>
+  </p:extLst>
 </p:presentation>
+</file>
+
+<file path=ppt/revisionInfo.xml><?xml version="1.0" encoding="utf-8"?>
+<p1510:revInfo xmlns:a="http://schemas.openxmlformats.org/drawingml/2006/main" xmlns:r="http://schemas.openxmlformats.org/officeDocument/2006/relationships" xmlns:p1510="http://schemas.microsoft.com/office/powerpoint/2015/10/main"/>
 </file>
 
 <file path=ppt/slideLayouts/slideLayout1.xml><?xml version="1.0" encoding="utf-8"?>
@@ -6032,7 +6041,7 @@
             </a:r>
           </a:p>
           <a:p>
-            <a:pPr marL="0" indent="0">
+            <a:pPr marL="0" indent="0" algn="ctr">
               <a:buNone/>
             </a:pPr>
             <a:r>
@@ -6157,7 +6166,7 @@
             </a:r>
           </a:p>
           <a:p>
-            <a:pPr marL="0" indent="0">
+            <a:pPr marL="0" indent="0" algn="ctr">
               <a:buNone/>
             </a:pPr>
             <a:r>
@@ -6301,7 +6310,7 @@
             </a:r>
           </a:p>
           <a:p>
-            <a:pPr marL="0" indent="0">
+            <a:pPr marL="0" indent="0" algn="ctr">
               <a:buNone/>
             </a:pPr>
             <a:r>

--- a/Final Project/crime_in_chicago.pptx
+++ b/Final Project/crime_in_chicago.pptx
@@ -114,7 +114,7 @@
   </p:defaultTextStyle>
   <p:extLst>
     <p:ext uri="{EFAFB233-063F-42B5-8137-9DF3F51BA10A}">
-      <p15:sldGuideLst xmlns:p15="http://schemas.microsoft.com/office/powerpoint/2012/main"/>
+      <p15:sldGuideLst xmlns:p15="http://schemas.microsoft.com/office/powerpoint/2012/main" xmlns=""/>
     </p:ext>
   </p:extLst>
 </p:presentation>
@@ -3808,7 +3808,7 @@
   </p:txStyles>
   <p:extLst mod="1">
     <p:ext uri="{27BBF7A9-308A-43DC-89C8-2F10F3537804}">
-      <p15:sldGuideLst xmlns:p15="http://schemas.microsoft.com/office/powerpoint/2012/main">
+      <p15:sldGuideLst xmlns:p15="http://schemas.microsoft.com/office/powerpoint/2012/main" xmlns="">
         <p15:guide id="3" orient="horz" pos="1368">
           <p15:clr>
             <a:srgbClr val="F26B43"/>
@@ -4094,14 +4094,14 @@
                 <a:gridCol w="3650974">
                   <a:extLst>
                     <a:ext uri="{9D8B030D-6E8A-4147-A177-3AD203B41FA5}">
-                      <a16:colId xmlns:a16="http://schemas.microsoft.com/office/drawing/2014/main" val="500283276"/>
+                      <a16:colId xmlns:a16="http://schemas.microsoft.com/office/drawing/2014/main" xmlns="" val="500283276"/>
                     </a:ext>
                   </a:extLst>
                 </a:gridCol>
                 <a:gridCol w="3650974">
                   <a:extLst>
                     <a:ext uri="{9D8B030D-6E8A-4147-A177-3AD203B41FA5}">
-                      <a16:colId xmlns:a16="http://schemas.microsoft.com/office/drawing/2014/main" val="1960497491"/>
+                      <a16:colId xmlns:a16="http://schemas.microsoft.com/office/drawing/2014/main" xmlns="" val="1960497491"/>
                     </a:ext>
                   </a:extLst>
                 </a:gridCol>
@@ -4135,7 +4135,7 @@
                 </a:tc>
                 <a:extLst>
                   <a:ext uri="{0D108BD9-81ED-4DB2-BD59-A6C34878D82A}">
-                    <a16:rowId xmlns:a16="http://schemas.microsoft.com/office/drawing/2014/main" val="2839251004"/>
+                    <a16:rowId xmlns:a16="http://schemas.microsoft.com/office/drawing/2014/main" xmlns="" val="2839251004"/>
                   </a:ext>
                 </a:extLst>
               </a:tr>
@@ -4168,7 +4168,7 @@
                 </a:tc>
                 <a:extLst>
                   <a:ext uri="{0D108BD9-81ED-4DB2-BD59-A6C34878D82A}">
-                    <a16:rowId xmlns:a16="http://schemas.microsoft.com/office/drawing/2014/main" val="786963067"/>
+                    <a16:rowId xmlns:a16="http://schemas.microsoft.com/office/drawing/2014/main" xmlns="" val="786963067"/>
                   </a:ext>
                 </a:extLst>
               </a:tr>
@@ -4201,7 +4201,7 @@
                 </a:tc>
                 <a:extLst>
                   <a:ext uri="{0D108BD9-81ED-4DB2-BD59-A6C34878D82A}">
-                    <a16:rowId xmlns:a16="http://schemas.microsoft.com/office/drawing/2014/main" val="1991588614"/>
+                    <a16:rowId xmlns:a16="http://schemas.microsoft.com/office/drawing/2014/main" xmlns="" val="1991588614"/>
                   </a:ext>
                 </a:extLst>
               </a:tr>
@@ -4234,7 +4234,7 @@
                 </a:tc>
                 <a:extLst>
                   <a:ext uri="{0D108BD9-81ED-4DB2-BD59-A6C34878D82A}">
-                    <a16:rowId xmlns:a16="http://schemas.microsoft.com/office/drawing/2014/main" val="3277156478"/>
+                    <a16:rowId xmlns:a16="http://schemas.microsoft.com/office/drawing/2014/main" xmlns="" val="3277156478"/>
                   </a:ext>
                 </a:extLst>
               </a:tr>
@@ -4267,7 +4267,7 @@
                 </a:tc>
                 <a:extLst>
                   <a:ext uri="{0D108BD9-81ED-4DB2-BD59-A6C34878D82A}">
-                    <a16:rowId xmlns:a16="http://schemas.microsoft.com/office/drawing/2014/main" val="168409692"/>
+                    <a16:rowId xmlns:a16="http://schemas.microsoft.com/office/drawing/2014/main" xmlns="" val="168409692"/>
                   </a:ext>
                 </a:extLst>
               </a:tr>
@@ -4300,7 +4300,7 @@
                 </a:tc>
                 <a:extLst>
                   <a:ext uri="{0D108BD9-81ED-4DB2-BD59-A6C34878D82A}">
-                    <a16:rowId xmlns:a16="http://schemas.microsoft.com/office/drawing/2014/main" val="2556962082"/>
+                    <a16:rowId xmlns:a16="http://schemas.microsoft.com/office/drawing/2014/main" xmlns="" val="2556962082"/>
                   </a:ext>
                 </a:extLst>
               </a:tr>
@@ -4333,7 +4333,7 @@
                 </a:tc>
                 <a:extLst>
                   <a:ext uri="{0D108BD9-81ED-4DB2-BD59-A6C34878D82A}">
-                    <a16:rowId xmlns:a16="http://schemas.microsoft.com/office/drawing/2014/main" val="365605884"/>
+                    <a16:rowId xmlns:a16="http://schemas.microsoft.com/office/drawing/2014/main" xmlns="" val="365605884"/>
                   </a:ext>
                 </a:extLst>
               </a:tr>
@@ -4463,21 +4463,21 @@
                 <a:gridCol w="1504122">
                   <a:extLst>
                     <a:ext uri="{9D8B030D-6E8A-4147-A177-3AD203B41FA5}">
-                      <a16:colId xmlns:a16="http://schemas.microsoft.com/office/drawing/2014/main" val="3538218049"/>
+                      <a16:colId xmlns:a16="http://schemas.microsoft.com/office/drawing/2014/main" xmlns="" val="3538218049"/>
                     </a:ext>
                   </a:extLst>
                 </a:gridCol>
                 <a:gridCol w="1404730">
                   <a:extLst>
                     <a:ext uri="{9D8B030D-6E8A-4147-A177-3AD203B41FA5}">
-                      <a16:colId xmlns:a16="http://schemas.microsoft.com/office/drawing/2014/main" val="1381335144"/>
+                      <a16:colId xmlns:a16="http://schemas.microsoft.com/office/drawing/2014/main" xmlns="" val="1381335144"/>
                     </a:ext>
                   </a:extLst>
                 </a:gridCol>
                 <a:gridCol w="6692348">
                   <a:extLst>
                     <a:ext uri="{9D8B030D-6E8A-4147-A177-3AD203B41FA5}">
-                      <a16:colId xmlns:a16="http://schemas.microsoft.com/office/drawing/2014/main" val="335437038"/>
+                      <a16:colId xmlns:a16="http://schemas.microsoft.com/office/drawing/2014/main" xmlns="" val="335437038"/>
                     </a:ext>
                   </a:extLst>
                 </a:gridCol>
@@ -4524,7 +4524,7 @@
                 </a:tc>
                 <a:extLst>
                   <a:ext uri="{0D108BD9-81ED-4DB2-BD59-A6C34878D82A}">
-                    <a16:rowId xmlns:a16="http://schemas.microsoft.com/office/drawing/2014/main" val="3667814785"/>
+                    <a16:rowId xmlns:a16="http://schemas.microsoft.com/office/drawing/2014/main" xmlns="" val="3667814785"/>
                   </a:ext>
                 </a:extLst>
               </a:tr>
@@ -4570,7 +4570,7 @@
                 </a:tc>
                 <a:extLst>
                   <a:ext uri="{0D108BD9-81ED-4DB2-BD59-A6C34878D82A}">
-                    <a16:rowId xmlns:a16="http://schemas.microsoft.com/office/drawing/2014/main" val="682764864"/>
+                    <a16:rowId xmlns:a16="http://schemas.microsoft.com/office/drawing/2014/main" xmlns="" val="682764864"/>
                   </a:ext>
                 </a:extLst>
               </a:tr>
@@ -4616,7 +4616,7 @@
                 </a:tc>
                 <a:extLst>
                   <a:ext uri="{0D108BD9-81ED-4DB2-BD59-A6C34878D82A}">
-                    <a16:rowId xmlns:a16="http://schemas.microsoft.com/office/drawing/2014/main" val="841954621"/>
+                    <a16:rowId xmlns:a16="http://schemas.microsoft.com/office/drawing/2014/main" xmlns="" val="841954621"/>
                   </a:ext>
                 </a:extLst>
               </a:tr>
@@ -4671,7 +4671,7 @@
                 </a:tc>
                 <a:extLst>
                   <a:ext uri="{0D108BD9-81ED-4DB2-BD59-A6C34878D82A}">
-                    <a16:rowId xmlns:a16="http://schemas.microsoft.com/office/drawing/2014/main" val="534691411"/>
+                    <a16:rowId xmlns:a16="http://schemas.microsoft.com/office/drawing/2014/main" xmlns="" val="534691411"/>
                   </a:ext>
                 </a:extLst>
               </a:tr>
@@ -4726,7 +4726,7 @@
                 </a:tc>
                 <a:extLst>
                   <a:ext uri="{0D108BD9-81ED-4DB2-BD59-A6C34878D82A}">
-                    <a16:rowId xmlns:a16="http://schemas.microsoft.com/office/drawing/2014/main" val="2105776384"/>
+                    <a16:rowId xmlns:a16="http://schemas.microsoft.com/office/drawing/2014/main" xmlns="" val="2105776384"/>
                   </a:ext>
                 </a:extLst>
               </a:tr>
@@ -4781,7 +4781,7 @@
                 </a:tc>
                 <a:extLst>
                   <a:ext uri="{0D108BD9-81ED-4DB2-BD59-A6C34878D82A}">
-                    <a16:rowId xmlns:a16="http://schemas.microsoft.com/office/drawing/2014/main" val="4218402100"/>
+                    <a16:rowId xmlns:a16="http://schemas.microsoft.com/office/drawing/2014/main" xmlns="" val="4218402100"/>
                   </a:ext>
                 </a:extLst>
               </a:tr>
@@ -4836,7 +4836,7 @@
                 </a:tc>
                 <a:extLst>
                   <a:ext uri="{0D108BD9-81ED-4DB2-BD59-A6C34878D82A}">
-                    <a16:rowId xmlns:a16="http://schemas.microsoft.com/office/drawing/2014/main" val="3904743327"/>
+                    <a16:rowId xmlns:a16="http://schemas.microsoft.com/office/drawing/2014/main" xmlns="" val="3904743327"/>
                   </a:ext>
                 </a:extLst>
               </a:tr>
@@ -4891,7 +4891,7 @@
                 </a:tc>
                 <a:extLst>
                   <a:ext uri="{0D108BD9-81ED-4DB2-BD59-A6C34878D82A}">
-                    <a16:rowId xmlns:a16="http://schemas.microsoft.com/office/drawing/2014/main" val="604326619"/>
+                    <a16:rowId xmlns:a16="http://schemas.microsoft.com/office/drawing/2014/main" xmlns="" val="604326619"/>
                   </a:ext>
                 </a:extLst>
               </a:tr>
@@ -4946,7 +4946,7 @@
                 </a:tc>
                 <a:extLst>
                   <a:ext uri="{0D108BD9-81ED-4DB2-BD59-A6C34878D82A}">
-                    <a16:rowId xmlns:a16="http://schemas.microsoft.com/office/drawing/2014/main" val="1451623875"/>
+                    <a16:rowId xmlns:a16="http://schemas.microsoft.com/office/drawing/2014/main" xmlns="" val="1451623875"/>
                   </a:ext>
                 </a:extLst>
               </a:tr>
@@ -5001,7 +5001,7 @@
                 </a:tc>
                 <a:extLst>
                   <a:ext uri="{0D108BD9-81ED-4DB2-BD59-A6C34878D82A}">
-                    <a16:rowId xmlns:a16="http://schemas.microsoft.com/office/drawing/2014/main" val="1700272832"/>
+                    <a16:rowId xmlns:a16="http://schemas.microsoft.com/office/drawing/2014/main" xmlns="" val="1700272832"/>
                   </a:ext>
                 </a:extLst>
               </a:tr>
@@ -5056,7 +5056,7 @@
                 </a:tc>
                 <a:extLst>
                   <a:ext uri="{0D108BD9-81ED-4DB2-BD59-A6C34878D82A}">
-                    <a16:rowId xmlns:a16="http://schemas.microsoft.com/office/drawing/2014/main" val="89458730"/>
+                    <a16:rowId xmlns:a16="http://schemas.microsoft.com/office/drawing/2014/main" xmlns="" val="89458730"/>
                   </a:ext>
                 </a:extLst>
               </a:tr>
@@ -5150,21 +5150,21 @@
                 <a:gridCol w="1504122">
                   <a:extLst>
                     <a:ext uri="{9D8B030D-6E8A-4147-A177-3AD203B41FA5}">
-                      <a16:colId xmlns:a16="http://schemas.microsoft.com/office/drawing/2014/main" val="3538218049"/>
+                      <a16:colId xmlns:a16="http://schemas.microsoft.com/office/drawing/2014/main" xmlns="" val="3538218049"/>
                     </a:ext>
                   </a:extLst>
                 </a:gridCol>
                 <a:gridCol w="1404730">
                   <a:extLst>
                     <a:ext uri="{9D8B030D-6E8A-4147-A177-3AD203B41FA5}">
-                      <a16:colId xmlns:a16="http://schemas.microsoft.com/office/drawing/2014/main" val="1381335144"/>
+                      <a16:colId xmlns:a16="http://schemas.microsoft.com/office/drawing/2014/main" xmlns="" val="1381335144"/>
                     </a:ext>
                   </a:extLst>
                 </a:gridCol>
                 <a:gridCol w="6692348">
                   <a:extLst>
                     <a:ext uri="{9D8B030D-6E8A-4147-A177-3AD203B41FA5}">
-                      <a16:colId xmlns:a16="http://schemas.microsoft.com/office/drawing/2014/main" val="335437038"/>
+                      <a16:colId xmlns:a16="http://schemas.microsoft.com/office/drawing/2014/main" xmlns="" val="335437038"/>
                     </a:ext>
                   </a:extLst>
                 </a:gridCol>
@@ -5211,7 +5211,7 @@
                 </a:tc>
                 <a:extLst>
                   <a:ext uri="{0D108BD9-81ED-4DB2-BD59-A6C34878D82A}">
-                    <a16:rowId xmlns:a16="http://schemas.microsoft.com/office/drawing/2014/main" val="3667814785"/>
+                    <a16:rowId xmlns:a16="http://schemas.microsoft.com/office/drawing/2014/main" xmlns="" val="3667814785"/>
                   </a:ext>
                 </a:extLst>
               </a:tr>
@@ -5275,7 +5275,7 @@
                 </a:tc>
                 <a:extLst>
                   <a:ext uri="{0D108BD9-81ED-4DB2-BD59-A6C34878D82A}">
-                    <a16:rowId xmlns:a16="http://schemas.microsoft.com/office/drawing/2014/main" val="682764864"/>
+                    <a16:rowId xmlns:a16="http://schemas.microsoft.com/office/drawing/2014/main" xmlns="" val="682764864"/>
                   </a:ext>
                 </a:extLst>
               </a:tr>
@@ -5347,7 +5347,7 @@
                 </a:tc>
                 <a:extLst>
                   <a:ext uri="{0D108BD9-81ED-4DB2-BD59-A6C34878D82A}">
-                    <a16:rowId xmlns:a16="http://schemas.microsoft.com/office/drawing/2014/main" val="841954621"/>
+                    <a16:rowId xmlns:a16="http://schemas.microsoft.com/office/drawing/2014/main" xmlns="" val="841954621"/>
                   </a:ext>
                 </a:extLst>
               </a:tr>
@@ -5402,7 +5402,7 @@
                 </a:tc>
                 <a:extLst>
                   <a:ext uri="{0D108BD9-81ED-4DB2-BD59-A6C34878D82A}">
-                    <a16:rowId xmlns:a16="http://schemas.microsoft.com/office/drawing/2014/main" val="534691411"/>
+                    <a16:rowId xmlns:a16="http://schemas.microsoft.com/office/drawing/2014/main" xmlns="" val="534691411"/>
                   </a:ext>
                 </a:extLst>
               </a:tr>
@@ -5474,7 +5474,7 @@
                 </a:tc>
                 <a:extLst>
                   <a:ext uri="{0D108BD9-81ED-4DB2-BD59-A6C34878D82A}">
-                    <a16:rowId xmlns:a16="http://schemas.microsoft.com/office/drawing/2014/main" val="2105776384"/>
+                    <a16:rowId xmlns:a16="http://schemas.microsoft.com/office/drawing/2014/main" xmlns="" val="2105776384"/>
                   </a:ext>
                 </a:extLst>
               </a:tr>
@@ -5546,7 +5546,7 @@
                 </a:tc>
                 <a:extLst>
                   <a:ext uri="{0D108BD9-81ED-4DB2-BD59-A6C34878D82A}">
-                    <a16:rowId xmlns:a16="http://schemas.microsoft.com/office/drawing/2014/main" val="4218402100"/>
+                    <a16:rowId xmlns:a16="http://schemas.microsoft.com/office/drawing/2014/main" xmlns="" val="4218402100"/>
                   </a:ext>
                 </a:extLst>
               </a:tr>
@@ -5601,7 +5601,7 @@
                 </a:tc>
                 <a:extLst>
                   <a:ext uri="{0D108BD9-81ED-4DB2-BD59-A6C34878D82A}">
-                    <a16:rowId xmlns:a16="http://schemas.microsoft.com/office/drawing/2014/main" val="3904743327"/>
+                    <a16:rowId xmlns:a16="http://schemas.microsoft.com/office/drawing/2014/main" xmlns="" val="3904743327"/>
                   </a:ext>
                 </a:extLst>
               </a:tr>
@@ -5673,7 +5673,7 @@
                 </a:tc>
                 <a:extLst>
                   <a:ext uri="{0D108BD9-81ED-4DB2-BD59-A6C34878D82A}">
-                    <a16:rowId xmlns:a16="http://schemas.microsoft.com/office/drawing/2014/main" val="604326619"/>
+                    <a16:rowId xmlns:a16="http://schemas.microsoft.com/office/drawing/2014/main" xmlns="" val="604326619"/>
                   </a:ext>
                 </a:extLst>
               </a:tr>
@@ -5728,7 +5728,7 @@
                 </a:tc>
                 <a:extLst>
                   <a:ext uri="{0D108BD9-81ED-4DB2-BD59-A6C34878D82A}">
-                    <a16:rowId xmlns:a16="http://schemas.microsoft.com/office/drawing/2014/main" val="1451623875"/>
+                    <a16:rowId xmlns:a16="http://schemas.microsoft.com/office/drawing/2014/main" xmlns="" val="1451623875"/>
                   </a:ext>
                 </a:extLst>
               </a:tr>
@@ -5783,7 +5783,7 @@
                 </a:tc>
                 <a:extLst>
                   <a:ext uri="{0D108BD9-81ED-4DB2-BD59-A6C34878D82A}">
-                    <a16:rowId xmlns:a16="http://schemas.microsoft.com/office/drawing/2014/main" val="1700272832"/>
+                    <a16:rowId xmlns:a16="http://schemas.microsoft.com/office/drawing/2014/main" xmlns="" val="1700272832"/>
                   </a:ext>
                 </a:extLst>
               </a:tr>
@@ -5838,7 +5838,7 @@
                 </a:tc>
                 <a:extLst>
                   <a:ext uri="{0D108BD9-81ED-4DB2-BD59-A6C34878D82A}">
-                    <a16:rowId xmlns:a16="http://schemas.microsoft.com/office/drawing/2014/main" val="89458730"/>
+                    <a16:rowId xmlns:a16="http://schemas.microsoft.com/office/drawing/2014/main" xmlns="" val="89458730"/>
                   </a:ext>
                 </a:extLst>
               </a:tr>
@@ -5893,7 +5893,7 @@
                 </a:tc>
                 <a:extLst>
                   <a:ext uri="{0D108BD9-81ED-4DB2-BD59-A6C34878D82A}">
-                    <a16:rowId xmlns:a16="http://schemas.microsoft.com/office/drawing/2014/main" val="2019454993"/>
+                    <a16:rowId xmlns:a16="http://schemas.microsoft.com/office/drawing/2014/main" xmlns="" val="2019454993"/>
                   </a:ext>
                 </a:extLst>
               </a:tr>
@@ -5948,7 +5948,7 @@
                 </a:tc>
                 <a:extLst>
                   <a:ext uri="{0D108BD9-81ED-4DB2-BD59-A6C34878D82A}">
-                    <a16:rowId xmlns:a16="http://schemas.microsoft.com/office/drawing/2014/main" val="346378786"/>
+                    <a16:rowId xmlns:a16="http://schemas.microsoft.com/office/drawing/2014/main" xmlns="" val="346378786"/>
                   </a:ext>
                 </a:extLst>
               </a:tr>
@@ -6027,8 +6027,12 @@
               <a:buNone/>
             </a:pPr>
             <a:r>
-              <a:rPr lang="en-US" sz="2800"/>
-              <a:t>Haidar Arya 5114100051</a:t>
+              <a:rPr lang="en-US" sz="2800" dirty="0" err="1"/>
+              <a:t>Haidar</a:t>
+            </a:r>
+            <a:r>
+              <a:rPr lang="en-US" sz="2800" dirty="0"/>
+              <a:t> Arya 5114100051</a:t>
             </a:r>
           </a:p>
           <a:p>
@@ -6036,7 +6040,7 @@
               <a:buNone/>
             </a:pPr>
             <a:r>
-              <a:rPr lang="en-US" sz="2800" b="1"/>
+              <a:rPr lang="en-US" sz="2800" b="1" dirty="0"/>
               <a:t>Frequent Pattern Mining – FP Growth</a:t>
             </a:r>
           </a:p>
@@ -6045,34 +6049,80 @@
               <a:buNone/>
             </a:pPr>
             <a:r>
-              <a:rPr lang="en-US" sz="3600"/>
-              <a:t>“Melakukan perhitungan </a:t>
-            </a:r>
-            <a:r>
-              <a:rPr lang="en-US" sz="4400" b="1"/>
-              <a:t>frekuensi</a:t>
-            </a:r>
-            <a:r>
-              <a:rPr lang="en-US" sz="3600"/>
-              <a:t> jenis tindakan kriminal yang terjadi di </a:t>
-            </a:r>
-            <a:r>
-              <a:rPr lang="en-US" sz="3600" b="1" i="1"/>
-              <a:t>kota Chicago”</a:t>
-            </a:r>
+              <a:rPr lang="en-US" sz="3600" dirty="0" smtClean="0"/>
+              <a:t>“</a:t>
+            </a:r>
+            <a:r>
+              <a:rPr lang="en-US" sz="3600" dirty="0" err="1" smtClean="0"/>
+              <a:t>Mencari</a:t>
+            </a:r>
+            <a:r>
+              <a:rPr lang="en-US" sz="3600" dirty="0" smtClean="0"/>
+              <a:t> </a:t>
+            </a:r>
+            <a:r>
+              <a:rPr lang="en-US" sz="3600" dirty="0" err="1" smtClean="0"/>
+              <a:t>tahu</a:t>
+            </a:r>
+            <a:r>
+              <a:rPr lang="en-US" sz="3600" dirty="0" smtClean="0"/>
+              <a:t> </a:t>
+            </a:r>
+            <a:r>
+              <a:rPr lang="en-US" sz="4000" b="1" dirty="0" err="1" smtClean="0"/>
+              <a:t>performa</a:t>
+            </a:r>
+            <a:r>
+              <a:rPr lang="en-US" sz="4000" b="1" dirty="0" smtClean="0"/>
+              <a:t> </a:t>
+            </a:r>
+            <a:r>
+              <a:rPr lang="en-US" sz="4000" b="1" dirty="0" err="1" smtClean="0"/>
+              <a:t>polisi</a:t>
+            </a:r>
+            <a:r>
+              <a:rPr lang="en-US" sz="4000" b="1" dirty="0" smtClean="0"/>
+              <a:t> </a:t>
+            </a:r>
+            <a:r>
+              <a:rPr lang="en-US" sz="3600" dirty="0" smtClean="0"/>
+              <a:t>di </a:t>
+            </a:r>
+            <a:r>
+              <a:rPr lang="en-US" sz="3600" dirty="0" err="1" smtClean="0"/>
+              <a:t>setiap</a:t>
+            </a:r>
+            <a:r>
+              <a:rPr lang="en-US" sz="3600" dirty="0" smtClean="0"/>
+              <a:t> </a:t>
+            </a:r>
+            <a:r>
+              <a:rPr lang="en-US" sz="4000" b="1" dirty="0" err="1" smtClean="0"/>
+              <a:t>distrik</a:t>
+            </a:r>
+            <a:r>
+              <a:rPr lang="en-US" sz="3600" b="1" i="1" dirty="0" smtClean="0"/>
+              <a:t>”</a:t>
+            </a:r>
+            <a:endParaRPr lang="en-US" sz="3600" b="1" i="1" dirty="0"/>
           </a:p>
           <a:p>
             <a:pPr marL="0" indent="0">
               <a:buNone/>
             </a:pPr>
             <a:r>
-              <a:rPr lang="en-US" sz="2400"/>
-              <a:t>Atribut: </a:t>
-            </a:r>
-            <a:r>
-              <a:rPr lang="en-US" sz="2400" b="1"/>
-              <a:t>Primary type</a:t>
-            </a:r>
+              <a:rPr lang="en-US" sz="2400" dirty="0" err="1"/>
+              <a:t>Atribut</a:t>
+            </a:r>
+            <a:r>
+              <a:rPr lang="en-US" sz="2400" dirty="0"/>
+              <a:t>: </a:t>
+            </a:r>
+            <a:r>
+              <a:rPr lang="en-US" sz="2400" b="1" dirty="0" smtClean="0"/>
+              <a:t>Arrest, District</a:t>
+            </a:r>
+            <a:endParaRPr lang="en-US" sz="2400" b="1" dirty="0"/>
           </a:p>
         </p:txBody>
       </p:sp>
@@ -6685,7 +6735,7 @@
   <a:extraClrSchemeLst/>
   <a:extLst>
     <a:ext uri="{05A4C25C-085E-4340-85A3-A5531E510DB2}">
-      <thm15:themeFamily xmlns:thm15="http://schemas.microsoft.com/office/thememl/2012/main" name="Crop" id="{EC9488ED-E761-4D60-9AC4-764D1FE2C171}" vid="{D7AA1D6E-F3E9-4763-A3BC-84DF2E02F60F}"/>
+      <thm15:themeFamily xmlns:thm15="http://schemas.microsoft.com/office/thememl/2012/main" xmlns="" name="Crop" id="{EC9488ED-E761-4D60-9AC4-764D1FE2C171}" vid="{D7AA1D6E-F3E9-4763-A3BC-84DF2E02F60F}"/>
     </a:ext>
   </a:extLst>
 </a:theme>
